--- a/ACA/src/201021ACA-lecture02ISA.pptx
+++ b/ACA/src/201021ACA-lecture02ISA.pptx
@@ -5,7 +5,7 @@
     <p:sldMasterId id="2147483648" r:id="rId1"/>
   </p:sldMasterIdLst>
   <p:notesMasterIdLst>
-    <p:notesMasterId r:id="rId50"/>
+    <p:notesMasterId r:id="rId13"/>
   </p:notesMasterIdLst>
   <p:sldIdLst>
     <p:sldId id="257" r:id="rId3"/>
@@ -18,43 +18,43 @@
     <p:sldId id="745" r:id="rId10"/>
     <p:sldId id="730" r:id="rId11"/>
     <p:sldId id="731" r:id="rId12"/>
-    <p:sldId id="769" r:id="rId13"/>
-    <p:sldId id="766" r:id="rId14"/>
-    <p:sldId id="770" r:id="rId15"/>
-    <p:sldId id="771" r:id="rId16"/>
-    <p:sldId id="773" r:id="rId17"/>
-    <p:sldId id="778" r:id="rId18"/>
-    <p:sldId id="774" r:id="rId19"/>
-    <p:sldId id="775" r:id="rId20"/>
-    <p:sldId id="776" r:id="rId21"/>
-    <p:sldId id="777" r:id="rId22"/>
-    <p:sldId id="789" r:id="rId23"/>
-    <p:sldId id="736" r:id="rId24"/>
-    <p:sldId id="792" r:id="rId25"/>
-    <p:sldId id="793" r:id="rId26"/>
-    <p:sldId id="737" r:id="rId27"/>
-    <p:sldId id="738" r:id="rId28"/>
-    <p:sldId id="780" r:id="rId29"/>
-    <p:sldId id="779" r:id="rId30"/>
-    <p:sldId id="782" r:id="rId31"/>
-    <p:sldId id="783" r:id="rId32"/>
-    <p:sldId id="784" r:id="rId33"/>
-    <p:sldId id="785" r:id="rId34"/>
-    <p:sldId id="781" r:id="rId35"/>
-    <p:sldId id="743" r:id="rId36"/>
-    <p:sldId id="826" r:id="rId37"/>
-    <p:sldId id="786" r:id="rId38"/>
-    <p:sldId id="819" r:id="rId39"/>
-    <p:sldId id="787" r:id="rId40"/>
-    <p:sldId id="815" r:id="rId41"/>
-    <p:sldId id="794" r:id="rId42"/>
-    <p:sldId id="824" r:id="rId43"/>
-    <p:sldId id="827" r:id="rId44"/>
-    <p:sldId id="825" r:id="rId45"/>
-    <p:sldId id="795" r:id="rId46"/>
-    <p:sldId id="539" r:id="rId47"/>
-    <p:sldId id="820" r:id="rId48"/>
-    <p:sldId id="496" r:id="rId49"/>
+    <p:sldId id="769" r:id="rId14"/>
+    <p:sldId id="766" r:id="rId15"/>
+    <p:sldId id="770" r:id="rId16"/>
+    <p:sldId id="771" r:id="rId17"/>
+    <p:sldId id="773" r:id="rId18"/>
+    <p:sldId id="778" r:id="rId19"/>
+    <p:sldId id="774" r:id="rId20"/>
+    <p:sldId id="775" r:id="rId21"/>
+    <p:sldId id="776" r:id="rId22"/>
+    <p:sldId id="777" r:id="rId23"/>
+    <p:sldId id="789" r:id="rId24"/>
+    <p:sldId id="736" r:id="rId25"/>
+    <p:sldId id="792" r:id="rId26"/>
+    <p:sldId id="793" r:id="rId27"/>
+    <p:sldId id="737" r:id="rId28"/>
+    <p:sldId id="738" r:id="rId29"/>
+    <p:sldId id="780" r:id="rId30"/>
+    <p:sldId id="779" r:id="rId31"/>
+    <p:sldId id="782" r:id="rId32"/>
+    <p:sldId id="783" r:id="rId33"/>
+    <p:sldId id="784" r:id="rId34"/>
+    <p:sldId id="785" r:id="rId35"/>
+    <p:sldId id="781" r:id="rId36"/>
+    <p:sldId id="743" r:id="rId37"/>
+    <p:sldId id="826" r:id="rId38"/>
+    <p:sldId id="786" r:id="rId39"/>
+    <p:sldId id="819" r:id="rId40"/>
+    <p:sldId id="787" r:id="rId41"/>
+    <p:sldId id="815" r:id="rId42"/>
+    <p:sldId id="794" r:id="rId43"/>
+    <p:sldId id="824" r:id="rId44"/>
+    <p:sldId id="827" r:id="rId45"/>
+    <p:sldId id="825" r:id="rId46"/>
+    <p:sldId id="795" r:id="rId47"/>
+    <p:sldId id="539" r:id="rId48"/>
+    <p:sldId id="820" r:id="rId49"/>
+    <p:sldId id="496" r:id="rId50"/>
     <p:sldId id="796" r:id="rId51"/>
     <p:sldId id="821" r:id="rId52"/>
     <p:sldId id="817" r:id="rId53"/>
@@ -536,6 +536,70 @@
 </file>
 
 <file path=ppt/notesSlides/notesSlide1.xml><?xml version="1.0" encoding="utf-8"?>
+<p:notes xmlns:a="http://schemas.openxmlformats.org/drawingml/2006/main" xmlns:r="http://schemas.openxmlformats.org/officeDocument/2006/relationships" xmlns:p="http://schemas.openxmlformats.org/presentationml/2006/main">
+  <p:cSld>
+    <p:spTree>
+      <p:nvGrpSpPr>
+        <p:cNvPr id="1" name=""/>
+        <p:cNvGrpSpPr/>
+        <p:nvPr/>
+      </p:nvGrpSpPr>
+      <p:grpSpPr/>
+      <p:sp>
+        <p:nvSpPr>
+          <p:cNvPr id="2" name="幻灯片图像占位符 1"/>
+          <p:cNvSpPr/>
+          <p:nvPr>
+            <p:ph type="sldImg" idx="2"/>
+          </p:nvPr>
+        </p:nvSpPr>
+        <p:spPr/>
+      </p:sp>
+      <p:sp>
+        <p:nvSpPr>
+          <p:cNvPr id="3" name="文本占位符 2"/>
+          <p:cNvSpPr/>
+          <p:nvPr>
+            <p:ph type="body" idx="3"/>
+          </p:nvPr>
+        </p:nvSpPr>
+        <p:spPr/>
+        <p:txBody>
+          <a:bodyPr/>
+          <a:p>
+            <a:r>
+              <a:rPr lang="zh-CN" altLang="en-US"/>
+              <a:t>累加器</a:t>
+            </a:r>
+            <a:r>
+              <a:rPr lang="en-US" altLang="zh-CN"/>
+              <a:t>, </a:t>
+            </a:r>
+            <a:r>
+              <a:rPr lang="zh-CN" altLang="en-US"/>
+              <a:t>堆栈</a:t>
+            </a:r>
+            <a:r>
+              <a:rPr lang="en-US" altLang="zh-CN"/>
+              <a:t>, </a:t>
+            </a:r>
+            <a:r>
+              <a:rPr lang="zh-CN" altLang="en-US"/>
+              <a:t>寄存器</a:t>
+            </a:r>
+            <a:endParaRPr lang="zh-CN" altLang="en-US"/>
+          </a:p>
+        </p:txBody>
+      </p:sp>
+    </p:spTree>
+  </p:cSld>
+  <p:clrMapOvr>
+    <a:masterClrMapping/>
+  </p:clrMapOvr>
+</p:notes>
+</file>
+
+<file path=ppt/notesSlides/notesSlide2.xml><?xml version="1.0" encoding="utf-8"?>
 <p:notes xmlns:a="http://schemas.openxmlformats.org/drawingml/2006/main" xmlns:r="http://schemas.openxmlformats.org/officeDocument/2006/relationships" xmlns:p="http://schemas.openxmlformats.org/presentationml/2006/main">
   <p:cSld>
     <p:spTree>
@@ -6854,7 +6918,22 @@
                         </a:rPr>
                         <a:t>Decimal</a:t>
                       </a:r>
-                      <a:endParaRPr kumimoji="0" lang="en-US" sz="2400" b="1" i="0" u="none" strike="noStrike" cap="none" normalizeH="0" baseline="0">
+                      <a:r>
+                        <a:rPr kumimoji="0" lang="zh-CN" altLang="en-US" sz="2400" b="1" i="0" u="none" strike="noStrike" cap="none" normalizeH="0" baseline="0">
+                          <a:ln>
+                            <a:noFill/>
+                          </a:ln>
+                          <a:solidFill>
+                            <a:schemeClr val="tx1"/>
+                          </a:solidFill>
+                          <a:effectLst/>
+                          <a:latin typeface="Arial" panose="020B0604020202020204" pitchFamily="34" charset="0"/>
+                          <a:ea typeface="宋体" panose="02010600030101010101" pitchFamily="2" charset="-122"/>
+                          <a:cs typeface="宋体" panose="02010600030101010101" pitchFamily="2" charset="-122"/>
+                        </a:rPr>
+                        <a:t>小数</a:t>
+                      </a:r>
+                      <a:endParaRPr kumimoji="0" lang="zh-CN" altLang="en-US" sz="2400" b="1" i="0" u="none" strike="noStrike" cap="none" normalizeH="0" baseline="0">
                         <a:ln>
                           <a:noFill/>
                         </a:ln>
@@ -30085,6 +30164,18 @@
             <a:r>
               <a:rPr lang="en-US" altLang="zh-CN"/>
               <a:t>The Little and Big Endian</a:t>
+            </a:r>
+            <a:r>
+              <a:rPr lang="" altLang="en-US"/>
+              <a:t>(</a:t>
+            </a:r>
+            <a:r>
+              <a:rPr lang="zh-CN" altLang=""/>
+              <a:t>大端小端</a:t>
+            </a:r>
+            <a:r>
+              <a:rPr lang="en-US" altLang="zh-CN"/>
+              <a:t>)</a:t>
             </a:r>
             <a:endParaRPr lang="en-US" altLang="zh-CN"/>
           </a:p>
